--- a/work flow.pptx
+++ b/work flow.pptx
@@ -216,7 +216,7 @@
           <a:p>
             <a:fld id="{E3C57F64-DEB8-7145-855A-2D6C58021F6B}" type="datetimeFigureOut">
               <a:rPr kumimoji="1" lang="zh-CN" altLang="en-US" smtClean="0"/>
-              <a:t>16/8/3</a:t>
+              <a:t>16/11/25</a:t>
             </a:fld>
             <a:endParaRPr kumimoji="1" lang="zh-CN" altLang="en-US"/>
           </a:p>
@@ -749,7 +749,7 @@
           <a:p>
             <a:fld id="{CAA70762-6B36-4171-9B88-5811FF0F115B}" type="datetimeFigureOut">
               <a:rPr lang="en-US" smtClean="0"/>
-              <a:t>8/3/16</a:t>
+              <a:t>11/25/16</a:t>
             </a:fld>
             <a:endParaRPr lang="en-US"/>
           </a:p>
@@ -919,7 +919,7 @@
           <a:p>
             <a:fld id="{CAA70762-6B36-4171-9B88-5811FF0F115B}" type="datetimeFigureOut">
               <a:rPr lang="en-US" smtClean="0"/>
-              <a:t>8/3/16</a:t>
+              <a:t>11/25/16</a:t>
             </a:fld>
             <a:endParaRPr lang="en-US"/>
           </a:p>
@@ -1099,7 +1099,7 @@
           <a:p>
             <a:fld id="{CAA70762-6B36-4171-9B88-5811FF0F115B}" type="datetimeFigureOut">
               <a:rPr lang="en-US" smtClean="0"/>
-              <a:t>8/3/16</a:t>
+              <a:t>11/25/16</a:t>
             </a:fld>
             <a:endParaRPr lang="en-US"/>
           </a:p>
@@ -1269,7 +1269,7 @@
           <a:p>
             <a:fld id="{CAA70762-6B36-4171-9B88-5811FF0F115B}" type="datetimeFigureOut">
               <a:rPr lang="en-US" smtClean="0"/>
-              <a:t>8/3/16</a:t>
+              <a:t>11/25/16</a:t>
             </a:fld>
             <a:endParaRPr lang="en-US"/>
           </a:p>
@@ -1515,7 +1515,7 @@
           <a:p>
             <a:fld id="{CAA70762-6B36-4171-9B88-5811FF0F115B}" type="datetimeFigureOut">
               <a:rPr lang="en-US" smtClean="0"/>
-              <a:t>8/3/16</a:t>
+              <a:t>11/25/16</a:t>
             </a:fld>
             <a:endParaRPr lang="en-US"/>
           </a:p>
@@ -1803,7 +1803,7 @@
           <a:p>
             <a:fld id="{CAA70762-6B36-4171-9B88-5811FF0F115B}" type="datetimeFigureOut">
               <a:rPr lang="en-US" smtClean="0"/>
-              <a:t>8/3/16</a:t>
+              <a:t>11/25/16</a:t>
             </a:fld>
             <a:endParaRPr lang="en-US"/>
           </a:p>
@@ -2225,7 +2225,7 @@
           <a:p>
             <a:fld id="{CAA70762-6B36-4171-9B88-5811FF0F115B}" type="datetimeFigureOut">
               <a:rPr lang="en-US" smtClean="0"/>
-              <a:t>8/3/16</a:t>
+              <a:t>11/25/16</a:t>
             </a:fld>
             <a:endParaRPr lang="en-US"/>
           </a:p>
@@ -2343,7 +2343,7 @@
           <a:p>
             <a:fld id="{CAA70762-6B36-4171-9B88-5811FF0F115B}" type="datetimeFigureOut">
               <a:rPr lang="en-US" smtClean="0"/>
-              <a:t>8/3/16</a:t>
+              <a:t>11/25/16</a:t>
             </a:fld>
             <a:endParaRPr lang="en-US"/>
           </a:p>
@@ -2438,7 +2438,7 @@
           <a:p>
             <a:fld id="{CAA70762-6B36-4171-9B88-5811FF0F115B}" type="datetimeFigureOut">
               <a:rPr lang="en-US" smtClean="0"/>
-              <a:t>8/3/16</a:t>
+              <a:t>11/25/16</a:t>
             </a:fld>
             <a:endParaRPr lang="en-US"/>
           </a:p>
@@ -2715,7 +2715,7 @@
           <a:p>
             <a:fld id="{CAA70762-6B36-4171-9B88-5811FF0F115B}" type="datetimeFigureOut">
               <a:rPr lang="en-US" smtClean="0"/>
-              <a:t>8/3/16</a:t>
+              <a:t>11/25/16</a:t>
             </a:fld>
             <a:endParaRPr lang="en-US"/>
           </a:p>
@@ -2968,7 +2968,7 @@
           <a:p>
             <a:fld id="{CAA70762-6B36-4171-9B88-5811FF0F115B}" type="datetimeFigureOut">
               <a:rPr lang="en-US" smtClean="0"/>
-              <a:t>8/3/16</a:t>
+              <a:t>11/25/16</a:t>
             </a:fld>
             <a:endParaRPr lang="en-US"/>
           </a:p>
@@ -3181,7 +3181,7 @@
           <a:p>
             <a:fld id="{CAA70762-6B36-4171-9B88-5811FF0F115B}" type="datetimeFigureOut">
               <a:rPr lang="en-US" smtClean="0"/>
-              <a:t>8/3/16</a:t>
+              <a:t>11/25/16</a:t>
             </a:fld>
             <a:endParaRPr lang="en-US"/>
           </a:p>
@@ -3652,15 +3652,7 @@
                 <a:ea typeface="Arial" charset="0"/>
                 <a:cs typeface="Arial" charset="0"/>
               </a:rPr>
-              <a:t>Hemi </a:t>
-            </a:r>
-            <a:r>
-              <a:rPr kumimoji="1" lang="en-US" altLang="zh-CN" sz="1800" dirty="0" smtClean="0">
-                <a:latin typeface="Arial" charset="0"/>
-                <a:ea typeface="Arial" charset="0"/>
-                <a:cs typeface="Arial" charset="0"/>
-              </a:rPr>
-              <a:t>Luan</a:t>
+              <a:t>Hemi Luan</a:t>
             </a:r>
             <a:br>
               <a:rPr kumimoji="1" lang="en-US" altLang="zh-CN" sz="1800" dirty="0" smtClean="0">
@@ -3856,34 +3848,7 @@
                 </a:solidFill>
                 <a:latin typeface="Helvetica" charset="0"/>
               </a:rPr>
-              <a:t>A</a:t>
-            </a:r>
-            <a:r>
-              <a:rPr lang="en-US" altLang="zh-CN" dirty="0" smtClean="0">
-                <a:solidFill>
-                  <a:prstClr val="black"/>
-                </a:solidFill>
-                <a:latin typeface="Helvetica" charset="0"/>
-              </a:rPr>
-              <a:t>n</a:t>
-            </a:r>
-            <a:r>
-              <a:rPr lang="en-US" altLang="zh-CN" dirty="0" smtClean="0">
-                <a:solidFill>
-                  <a:prstClr val="black"/>
-                </a:solidFill>
-                <a:latin typeface="Helvetica" charset="0"/>
-              </a:rPr>
-              <a:t> </a:t>
-            </a:r>
-            <a:r>
-              <a:rPr lang="en-US" altLang="zh-CN" dirty="0" smtClean="0">
-                <a:solidFill>
-                  <a:prstClr val="black"/>
-                </a:solidFill>
-                <a:latin typeface="Helvetica" charset="0"/>
-              </a:rPr>
-              <a:t>easy </a:t>
+              <a:t>An easy </a:t>
             </a:r>
             <a:r>
               <a:rPr lang="en-US" altLang="zh-CN" dirty="0">
@@ -9699,7 +9664,11 @@
             <a:graphicFrameLocks noGrp="1"/>
           </p:cNvGraphicFramePr>
           <p:nvPr>
-            <p:extLst/>
+            <p:extLst>
+              <p:ext uri="{D42A27DB-BD31-4B8C-83A1-F6EECF244321}">
+                <p14:modId xmlns:p14="http://schemas.microsoft.com/office/powerpoint/2010/main" val="201008799"/>
+              </p:ext>
+            </p:extLst>
           </p:nvPr>
         </p:nvGraphicFramePr>
         <p:xfrm>
@@ -9899,7 +9868,31 @@
                           <a:ea typeface="Arial" charset="0"/>
                           <a:cs typeface="Arial" charset="0"/>
                         </a:rPr>
-                        <a:t>batch01_QC01</a:t>
+                        <a:t>batch01_</a:t>
+                      </a:r>
+                      <a:r>
+                        <a:rPr lang="en-US" sz="1400" b="0" i="0" u="none" strike="noStrike" dirty="0">
+                          <a:solidFill>
+                            <a:srgbClr val="FF0000"/>
+                          </a:solidFill>
+                          <a:effectLst/>
+                          <a:latin typeface="+mn-lt"/>
+                          <a:ea typeface="Arial" charset="0"/>
+                          <a:cs typeface="Arial" charset="0"/>
+                        </a:rPr>
+                        <a:t>QC</a:t>
+                      </a:r>
+                      <a:r>
+                        <a:rPr lang="en-US" sz="1400" b="0" i="0" u="none" strike="noStrike" dirty="0">
+                          <a:solidFill>
+                            <a:srgbClr val="000000"/>
+                          </a:solidFill>
+                          <a:effectLst/>
+                          <a:latin typeface="+mn-lt"/>
+                          <a:ea typeface="Arial" charset="0"/>
+                          <a:cs typeface="Arial" charset="0"/>
+                        </a:rPr>
+                        <a:t>01</a:t>
                       </a:r>
                     </a:p>
                   </a:txBody>
@@ -9960,9 +9953,9 @@
                     <a:p>
                       <a:pPr algn="ctr" fontAlgn="b"/>
                       <a:r>
-                        <a:rPr lang="en-US" sz="1400" b="0" i="0" u="none" strike="noStrike">
+                        <a:rPr lang="en-US" sz="1400" b="0" i="0" u="none" strike="noStrike" dirty="0">
                           <a:solidFill>
-                            <a:srgbClr val="000000"/>
+                            <a:srgbClr val="FF0000"/>
                           </a:solidFill>
                           <a:effectLst/>
                           <a:latin typeface="+mn-lt"/>
@@ -10041,7 +10034,31 @@
                           <a:ea typeface="Arial" charset="0"/>
                           <a:cs typeface="Arial" charset="0"/>
                         </a:rPr>
-                        <a:t>batch01_QC02</a:t>
+                        <a:t>batch01_</a:t>
+                      </a:r>
+                      <a:r>
+                        <a:rPr lang="en-US" sz="1400" b="0" i="0" u="none" strike="noStrike" dirty="0">
+                          <a:solidFill>
+                            <a:srgbClr val="FF0000"/>
+                          </a:solidFill>
+                          <a:effectLst/>
+                          <a:latin typeface="+mn-lt"/>
+                          <a:ea typeface="Arial" charset="0"/>
+                          <a:cs typeface="Arial" charset="0"/>
+                        </a:rPr>
+                        <a:t>QC</a:t>
+                      </a:r>
+                      <a:r>
+                        <a:rPr lang="en-US" sz="1400" b="0" i="0" u="none" strike="noStrike" dirty="0">
+                          <a:solidFill>
+                            <a:srgbClr val="000000"/>
+                          </a:solidFill>
+                          <a:effectLst/>
+                          <a:latin typeface="+mn-lt"/>
+                          <a:ea typeface="Arial" charset="0"/>
+                          <a:cs typeface="Arial" charset="0"/>
+                        </a:rPr>
+                        <a:t>02</a:t>
                       </a:r>
                     </a:p>
                   </a:txBody>
@@ -10102,9 +10119,9 @@
                     <a:p>
                       <a:pPr algn="ctr" fontAlgn="b"/>
                       <a:r>
-                        <a:rPr lang="en-US" sz="1400" b="0" i="0" u="none" strike="noStrike">
+                        <a:rPr lang="en-US" sz="1400" b="0" i="0" u="none" strike="noStrike" dirty="0">
                           <a:solidFill>
-                            <a:srgbClr val="000000"/>
+                            <a:srgbClr val="FF0000"/>
                           </a:solidFill>
                           <a:effectLst/>
                           <a:latin typeface="+mn-lt"/>
@@ -10183,7 +10200,31 @@
                           <a:ea typeface="Arial" charset="0"/>
                           <a:cs typeface="Arial" charset="0"/>
                         </a:rPr>
-                        <a:t>batch01_QC03</a:t>
+                        <a:t>batch01_</a:t>
+                      </a:r>
+                      <a:r>
+                        <a:rPr lang="en-US" sz="1400" b="0" i="0" u="none" strike="noStrike" dirty="0">
+                          <a:solidFill>
+                            <a:srgbClr val="FF0000"/>
+                          </a:solidFill>
+                          <a:effectLst/>
+                          <a:latin typeface="+mn-lt"/>
+                          <a:ea typeface="Arial" charset="0"/>
+                          <a:cs typeface="Arial" charset="0"/>
+                        </a:rPr>
+                        <a:t>QC</a:t>
+                      </a:r>
+                      <a:r>
+                        <a:rPr lang="en-US" sz="1400" b="0" i="0" u="none" strike="noStrike" dirty="0">
+                          <a:solidFill>
+                            <a:srgbClr val="000000"/>
+                          </a:solidFill>
+                          <a:effectLst/>
+                          <a:latin typeface="+mn-lt"/>
+                          <a:ea typeface="Arial" charset="0"/>
+                          <a:cs typeface="Arial" charset="0"/>
+                        </a:rPr>
+                        <a:t>03</a:t>
                       </a:r>
                     </a:p>
                   </a:txBody>
@@ -10244,9 +10285,9 @@
                     <a:p>
                       <a:pPr algn="ctr" fontAlgn="b"/>
                       <a:r>
-                        <a:rPr lang="en-US" sz="1400" b="0" i="0" u="none" strike="noStrike">
+                        <a:rPr lang="en-US" sz="1400" b="0" i="0" u="none" strike="noStrike" dirty="0">
                           <a:solidFill>
-                            <a:srgbClr val="000000"/>
+                            <a:srgbClr val="FF0000"/>
                           </a:solidFill>
                           <a:effectLst/>
                           <a:latin typeface="+mn-lt"/>
@@ -10742,7 +10783,7 @@
                     <a:p>
                       <a:pPr algn="ctr" fontAlgn="b"/>
                       <a:r>
-                        <a:rPr lang="en-US" sz="1400" b="0" i="0" u="none" strike="noStrike">
+                        <a:rPr lang="en-US" sz="1400" b="0" i="0" u="none" strike="noStrike" dirty="0">
                           <a:solidFill>
                             <a:srgbClr val="000000"/>
                           </a:solidFill>
@@ -10751,7 +10792,31 @@
                           <a:ea typeface="Arial" charset="0"/>
                           <a:cs typeface="Arial" charset="0"/>
                         </a:rPr>
-                        <a:t>batch01_QC04</a:t>
+                        <a:t>batch01_</a:t>
+                      </a:r>
+                      <a:r>
+                        <a:rPr lang="en-US" sz="1400" b="0" i="0" u="none" strike="noStrike" dirty="0">
+                          <a:solidFill>
+                            <a:srgbClr val="FF0000"/>
+                          </a:solidFill>
+                          <a:effectLst/>
+                          <a:latin typeface="+mn-lt"/>
+                          <a:ea typeface="Arial" charset="0"/>
+                          <a:cs typeface="Arial" charset="0"/>
+                        </a:rPr>
+                        <a:t>QC</a:t>
+                      </a:r>
+                      <a:r>
+                        <a:rPr lang="en-US" sz="1400" b="0" i="0" u="none" strike="noStrike" dirty="0">
+                          <a:solidFill>
+                            <a:srgbClr val="000000"/>
+                          </a:solidFill>
+                          <a:effectLst/>
+                          <a:latin typeface="+mn-lt"/>
+                          <a:ea typeface="Arial" charset="0"/>
+                          <a:cs typeface="Arial" charset="0"/>
+                        </a:rPr>
+                        <a:t>04</a:t>
                       </a:r>
                     </a:p>
                   </a:txBody>
@@ -10826,7 +10891,7 @@
                       <a:r>
                         <a:rPr lang="en-US" sz="1400" b="0" i="0" u="none" strike="noStrike" dirty="0">
                           <a:solidFill>
-                            <a:srgbClr val="000000"/>
+                            <a:srgbClr val="FF0000"/>
                           </a:solidFill>
                           <a:effectLst/>
                           <a:latin typeface="+mn-lt"/>
@@ -13052,8 +13117,8 @@
         </p:nvSpPr>
         <p:spPr>
           <a:xfrm rot="5400000">
-            <a:off x="3719652" y="-602664"/>
-            <a:ext cx="327818" cy="4675890"/>
+            <a:off x="3760562" y="-643574"/>
+            <a:ext cx="245998" cy="4675890"/>
           </a:xfrm>
           <a:prstGeom prst="roundRect">
             <a:avLst/>
@@ -13133,8 +13198,8 @@
         </p:nvSpPr>
         <p:spPr>
           <a:xfrm>
-            <a:off x="6702982" y="1968314"/>
-            <a:ext cx="2086688" cy="769441"/>
+            <a:off x="6172692" y="1903574"/>
+            <a:ext cx="2866772" cy="1107996"/>
           </a:xfrm>
           <a:prstGeom prst="rect">
             <a:avLst/>
@@ -13153,7 +13218,15 @@
                   <a:srgbClr val="FF0000"/>
                 </a:solidFill>
               </a:rPr>
-              <a:t>The title</a:t>
+              <a:t>* The </a:t>
+            </a:r>
+            <a:r>
+              <a:rPr kumimoji="1" lang="en-US" altLang="zh-CN" sz="1100" dirty="0" smtClean="0">
+                <a:solidFill>
+                  <a:srgbClr val="FF0000"/>
+                </a:solidFill>
+              </a:rPr>
+              <a:t>title</a:t>
             </a:r>
             <a:r>
               <a:rPr kumimoji="1" lang="zh-CN" altLang="en-US" sz="1100" dirty="0" smtClean="0">
@@ -13169,24 +13242,61 @@
                   <a:srgbClr val="FF0000"/>
                 </a:solidFill>
               </a:rPr>
-              <a:t>could be not changed</a:t>
-            </a:r>
-          </a:p>
-          <a:p>
-            <a:endParaRPr kumimoji="1" lang="en-US" altLang="zh-CN" sz="1100" dirty="0">
+              <a:t>could be not </a:t>
+            </a:r>
+            <a:r>
+              <a:rPr kumimoji="1" lang="en-US" altLang="zh-CN" sz="1100" dirty="0" smtClean="0">
+                <a:solidFill>
+                  <a:srgbClr val="FF0000"/>
+                </a:solidFill>
+              </a:rPr>
+              <a:t>changed</a:t>
+            </a:r>
+            <a:endParaRPr kumimoji="1" lang="zh-CN" altLang="en-US" sz="1100" dirty="0" smtClean="0">
               <a:solidFill>
                 <a:srgbClr val="FF0000"/>
               </a:solidFill>
             </a:endParaRPr>
           </a:p>
           <a:p>
+            <a:pPr marL="171450" indent="-171450">
+              <a:buFont typeface="Arial" charset="0"/>
+              <a:buChar char="•"/>
+            </a:pPr>
             <a:r>
               <a:rPr kumimoji="1" lang="en-US" altLang="zh-CN" sz="1100" dirty="0" smtClean="0">
                 <a:solidFill>
                   <a:srgbClr val="FF0000"/>
                 </a:solidFill>
               </a:rPr>
-              <a:t>* The class or group should be</a:t>
+              <a:t>The name of QC samples must contains the “QC”. “NA” in the class denotes the Quality controls</a:t>
+            </a:r>
+            <a:endParaRPr kumimoji="1" lang="en-US" altLang="zh-CN" sz="1100" dirty="0" smtClean="0">
+              <a:solidFill>
+                <a:srgbClr val="FF0000"/>
+              </a:solidFill>
+            </a:endParaRPr>
+          </a:p>
+          <a:p>
+            <a:pPr marL="171450" indent="-171450">
+              <a:buFont typeface="Arial" charset="0"/>
+              <a:buChar char="•"/>
+            </a:pPr>
+            <a:r>
+              <a:rPr kumimoji="1" lang="en-US" altLang="zh-CN" sz="1100" dirty="0" smtClean="0">
+                <a:solidFill>
+                  <a:srgbClr val="FF0000"/>
+                </a:solidFill>
+              </a:rPr>
+              <a:t>* </a:t>
+            </a:r>
+            <a:r>
+              <a:rPr kumimoji="1" lang="en-US" altLang="zh-CN" sz="1100" dirty="0" smtClean="0">
+                <a:solidFill>
+                  <a:srgbClr val="FF0000"/>
+                </a:solidFill>
+              </a:rPr>
+              <a:t>The class or group should be</a:t>
             </a:r>
             <a:r>
               <a:rPr kumimoji="1" lang="zh-CN" altLang="en-US" sz="1100" dirty="0" smtClean="0">
@@ -13229,6 +13339,306 @@
               <a:t>.g., 1,2,3,4,5… </a:t>
             </a:r>
             <a:endParaRPr kumimoji="1" lang="zh-CN" altLang="en-US" sz="1100" dirty="0">
+              <a:solidFill>
+                <a:srgbClr val="FF0000"/>
+              </a:solidFill>
+            </a:endParaRPr>
+          </a:p>
+        </p:txBody>
+      </p:sp>
+      <p:sp>
+        <p:nvSpPr>
+          <p:cNvPr id="15" name="文本框 14"/>
+          <p:cNvSpPr txBox="1"/>
+          <p:nvPr/>
+        </p:nvSpPr>
+        <p:spPr>
+          <a:xfrm>
+            <a:off x="0" y="4179044"/>
+            <a:ext cx="1283065" cy="830997"/>
+          </a:xfrm>
+          <a:prstGeom prst="rect">
+            <a:avLst/>
+          </a:prstGeom>
+          <a:noFill/>
+        </p:spPr>
+        <p:txBody>
+          <a:bodyPr wrap="square" rtlCol="0">
+            <a:spAutoFit/>
+          </a:bodyPr>
+          <a:lstStyle/>
+          <a:p>
+            <a:pPr algn="ctr"/>
+            <a:r>
+              <a:rPr kumimoji="1" lang="en-US" altLang="zh-CN" sz="1200" b="1" dirty="0">
+                <a:solidFill>
+                  <a:srgbClr val="FF0000"/>
+                </a:solidFill>
+              </a:rPr>
+              <a:t>U</a:t>
+            </a:r>
+            <a:r>
+              <a:rPr kumimoji="1" lang="en-US" altLang="zh-CN" sz="1200" b="1" dirty="0" smtClean="0">
+                <a:solidFill>
+                  <a:srgbClr val="FF0000"/>
+                </a:solidFill>
+              </a:rPr>
+              <a:t>nique m/z </a:t>
+            </a:r>
+          </a:p>
+          <a:p>
+            <a:pPr algn="ctr"/>
+            <a:r>
+              <a:rPr kumimoji="1" lang="en-US" altLang="zh-CN" sz="1200" b="1" dirty="0" smtClean="0">
+                <a:solidFill>
+                  <a:srgbClr val="FF0000"/>
+                </a:solidFill>
+              </a:rPr>
+              <a:t>or  </a:t>
+            </a:r>
+          </a:p>
+          <a:p>
+            <a:pPr algn="ctr"/>
+            <a:r>
+              <a:rPr kumimoji="1" lang="en-US" altLang="zh-CN" sz="1200" b="1" dirty="0" smtClean="0">
+                <a:solidFill>
+                  <a:srgbClr val="FF0000"/>
+                </a:solidFill>
+              </a:rPr>
+              <a:t>Metabolites unique ID</a:t>
+            </a:r>
+            <a:endParaRPr kumimoji="1" lang="zh-CN" altLang="en-US" sz="1200" b="1" dirty="0">
+              <a:solidFill>
+                <a:srgbClr val="FF0000"/>
+              </a:solidFill>
+            </a:endParaRPr>
+          </a:p>
+        </p:txBody>
+      </p:sp>
+      <p:cxnSp>
+        <p:nvCxnSpPr>
+          <p:cNvPr id="16" name="直线箭头连接符 15"/>
+          <p:cNvCxnSpPr/>
+          <p:nvPr/>
+        </p:nvCxnSpPr>
+        <p:spPr>
+          <a:xfrm flipV="1">
+            <a:off x="774424" y="4033992"/>
+            <a:ext cx="508641" cy="108074"/>
+          </a:xfrm>
+          <a:prstGeom prst="straightConnector1">
+            <a:avLst/>
+          </a:prstGeom>
+          <a:ln>
+            <a:tailEnd type="triangle"/>
+          </a:ln>
+        </p:spPr>
+        <p:style>
+          <a:lnRef idx="1">
+            <a:schemeClr val="accent1"/>
+          </a:lnRef>
+          <a:fillRef idx="0">
+            <a:schemeClr val="accent1"/>
+          </a:fillRef>
+          <a:effectRef idx="0">
+            <a:schemeClr val="accent1"/>
+          </a:effectRef>
+          <a:fontRef idx="minor">
+            <a:schemeClr val="tx1"/>
+          </a:fontRef>
+        </p:style>
+      </p:cxnSp>
+      <p:cxnSp>
+        <p:nvCxnSpPr>
+          <p:cNvPr id="17" name="直线箭头连接符 16"/>
+          <p:cNvCxnSpPr/>
+          <p:nvPr/>
+        </p:nvCxnSpPr>
+        <p:spPr>
+          <a:xfrm flipH="1">
+            <a:off x="8207849" y="5517232"/>
+            <a:ext cx="690044" cy="741"/>
+          </a:xfrm>
+          <a:prstGeom prst="straightConnector1">
+            <a:avLst/>
+          </a:prstGeom>
+          <a:ln>
+            <a:tailEnd type="triangle"/>
+          </a:ln>
+        </p:spPr>
+        <p:style>
+          <a:lnRef idx="1">
+            <a:schemeClr val="accent1"/>
+          </a:lnRef>
+          <a:fillRef idx="0">
+            <a:schemeClr val="accent1"/>
+          </a:fillRef>
+          <a:effectRef idx="0">
+            <a:schemeClr val="accent1"/>
+          </a:effectRef>
+          <a:fontRef idx="minor">
+            <a:schemeClr val="tx1"/>
+          </a:fontRef>
+        </p:style>
+      </p:cxnSp>
+      <p:sp>
+        <p:nvSpPr>
+          <p:cNvPr id="18" name="文本框 17"/>
+          <p:cNvSpPr txBox="1"/>
+          <p:nvPr/>
+        </p:nvSpPr>
+        <p:spPr>
+          <a:xfrm>
+            <a:off x="7875197" y="4423427"/>
+            <a:ext cx="1370792" cy="1200329"/>
+          </a:xfrm>
+          <a:prstGeom prst="rect">
+            <a:avLst/>
+          </a:prstGeom>
+          <a:noFill/>
+        </p:spPr>
+        <p:txBody>
+          <a:bodyPr wrap="square" rtlCol="0">
+            <a:spAutoFit/>
+          </a:bodyPr>
+          <a:lstStyle/>
+          <a:p>
+            <a:pPr algn="ctr"/>
+            <a:r>
+              <a:rPr kumimoji="1" lang="en-US" altLang="zh-CN" sz="1200" b="1" dirty="0" smtClean="0">
+                <a:solidFill>
+                  <a:srgbClr val="FF0000"/>
+                </a:solidFill>
+              </a:rPr>
+              <a:t>Concentration</a:t>
+            </a:r>
+          </a:p>
+          <a:p>
+            <a:pPr algn="ctr"/>
+            <a:r>
+              <a:rPr kumimoji="1" lang="en-US" altLang="zh-CN" sz="1200" b="1" dirty="0" smtClean="0">
+                <a:solidFill>
+                  <a:srgbClr val="FF0000"/>
+                </a:solidFill>
+              </a:rPr>
+              <a:t>or</a:t>
+            </a:r>
+          </a:p>
+          <a:p>
+            <a:pPr algn="ctr"/>
+            <a:r>
+              <a:rPr kumimoji="1" lang="en-US" altLang="zh-CN" sz="1200" b="1" dirty="0" smtClean="0">
+                <a:solidFill>
+                  <a:srgbClr val="FF0000"/>
+                </a:solidFill>
+              </a:rPr>
+              <a:t>Intensity</a:t>
+            </a:r>
+          </a:p>
+          <a:p>
+            <a:pPr algn="ctr"/>
+            <a:r>
+              <a:rPr kumimoji="1" lang="en-US" altLang="zh-CN" sz="1200" b="1" dirty="0">
+                <a:solidFill>
+                  <a:srgbClr val="FF0000"/>
+                </a:solidFill>
+              </a:rPr>
+              <a:t>o</a:t>
+            </a:r>
+            <a:r>
+              <a:rPr kumimoji="1" lang="en-US" altLang="zh-CN" sz="1200" b="1" dirty="0" smtClean="0">
+                <a:solidFill>
+                  <a:srgbClr val="FF0000"/>
+                </a:solidFill>
+              </a:rPr>
+              <a:t>r</a:t>
+            </a:r>
+          </a:p>
+          <a:p>
+            <a:pPr algn="ctr"/>
+            <a:r>
+              <a:rPr kumimoji="1" lang="en-US" altLang="zh-CN" sz="1200" b="1" dirty="0" smtClean="0">
+                <a:solidFill>
+                  <a:srgbClr val="FF0000"/>
+                </a:solidFill>
+              </a:rPr>
+              <a:t>Ratio</a:t>
+            </a:r>
+          </a:p>
+          <a:p>
+            <a:pPr algn="ctr"/>
+            <a:endParaRPr kumimoji="1" lang="zh-CN" altLang="en-US" sz="1200" b="1" dirty="0">
+              <a:solidFill>
+                <a:srgbClr val="FF0000"/>
+              </a:solidFill>
+            </a:endParaRPr>
+          </a:p>
+        </p:txBody>
+      </p:sp>
+      <p:cxnSp>
+        <p:nvCxnSpPr>
+          <p:cNvPr id="19" name="直线箭头连接符 18"/>
+          <p:cNvCxnSpPr/>
+          <p:nvPr/>
+        </p:nvCxnSpPr>
+        <p:spPr>
+          <a:xfrm>
+            <a:off x="7229463" y="3472375"/>
+            <a:ext cx="3036" cy="314101"/>
+          </a:xfrm>
+          <a:prstGeom prst="straightConnector1">
+            <a:avLst/>
+          </a:prstGeom>
+          <a:ln>
+            <a:tailEnd type="triangle"/>
+          </a:ln>
+        </p:spPr>
+        <p:style>
+          <a:lnRef idx="1">
+            <a:schemeClr val="accent1"/>
+          </a:lnRef>
+          <a:fillRef idx="0">
+            <a:schemeClr val="accent1"/>
+          </a:fillRef>
+          <a:effectRef idx="0">
+            <a:schemeClr val="accent1"/>
+          </a:effectRef>
+          <a:fontRef idx="minor">
+            <a:schemeClr val="tx1"/>
+          </a:fontRef>
+        </p:style>
+      </p:cxnSp>
+      <p:sp>
+        <p:nvSpPr>
+          <p:cNvPr id="20" name="文本框 19"/>
+          <p:cNvSpPr txBox="1"/>
+          <p:nvPr/>
+        </p:nvSpPr>
+        <p:spPr>
+          <a:xfrm>
+            <a:off x="6734778" y="3211312"/>
+            <a:ext cx="1370792" cy="276999"/>
+          </a:xfrm>
+          <a:prstGeom prst="rect">
+            <a:avLst/>
+          </a:prstGeom>
+          <a:noFill/>
+        </p:spPr>
+        <p:txBody>
+          <a:bodyPr wrap="square" rtlCol="0">
+            <a:spAutoFit/>
+          </a:bodyPr>
+          <a:lstStyle/>
+          <a:p>
+            <a:r>
+              <a:rPr kumimoji="1" lang="en-US" altLang="zh-CN" sz="1200" b="1" dirty="0" smtClean="0">
+                <a:solidFill>
+                  <a:srgbClr val="FF0000"/>
+                </a:solidFill>
+              </a:rPr>
+              <a:t>Sample ID</a:t>
+            </a:r>
+            <a:endParaRPr kumimoji="1" lang="zh-CN" altLang="en-US" sz="1200" b="1" dirty="0">
               <a:solidFill>
                 <a:srgbClr val="FF0000"/>
               </a:solidFill>
@@ -16291,18 +16701,24 @@
       </p:sp>
       <p:sp>
         <p:nvSpPr>
-          <p:cNvPr id="10" name="文本框 9"/>
-          <p:cNvSpPr txBox="1"/>
+          <p:cNvPr id="11" name="圆角矩形 10"/>
+          <p:cNvSpPr/>
           <p:nvPr/>
         </p:nvSpPr>
         <p:spPr>
           <a:xfrm>
-            <a:off x="-3114261" y="-834887"/>
-            <a:ext cx="184731" cy="369332"/>
-          </a:xfrm>
-          <a:prstGeom prst="rect">
+            <a:off x="2475315" y="2040056"/>
+            <a:ext cx="684549" cy="4452726"/>
+          </a:xfrm>
+          <a:prstGeom prst="roundRect">
             <a:avLst/>
           </a:prstGeom>
+          <a:noFill/>
+          <a:ln>
+            <a:solidFill>
+              <a:srgbClr val="C00000"/>
+            </a:solidFill>
+          </a:ln>
         </p:spPr>
         <p:style>
           <a:lnRef idx="2">
@@ -16319,51 +16735,6 @@
           </a:fontRef>
         </p:style>
         <p:txBody>
-          <a:bodyPr wrap="none" rtlCol="0">
-            <a:spAutoFit/>
-          </a:bodyPr>
-          <a:lstStyle/>
-          <a:p>
-            <a:endParaRPr kumimoji="1" lang="zh-CN" altLang="en-US" dirty="0"/>
-          </a:p>
-        </p:txBody>
-      </p:sp>
-      <p:sp>
-        <p:nvSpPr>
-          <p:cNvPr id="11" name="圆角矩形 10"/>
-          <p:cNvSpPr/>
-          <p:nvPr/>
-        </p:nvSpPr>
-        <p:spPr>
-          <a:xfrm>
-            <a:off x="2475315" y="2040056"/>
-            <a:ext cx="684549" cy="4452726"/>
-          </a:xfrm>
-          <a:prstGeom prst="roundRect">
-            <a:avLst/>
-          </a:prstGeom>
-          <a:noFill/>
-          <a:ln>
-            <a:solidFill>
-              <a:srgbClr val="C00000"/>
-            </a:solidFill>
-          </a:ln>
-        </p:spPr>
-        <p:style>
-          <a:lnRef idx="2">
-            <a:schemeClr val="accent6"/>
-          </a:lnRef>
-          <a:fillRef idx="1">
-            <a:schemeClr val="lt1"/>
-          </a:fillRef>
-          <a:effectRef idx="0">
-            <a:schemeClr val="accent6"/>
-          </a:effectRef>
-          <a:fontRef idx="minor">
-            <a:schemeClr val="dk1"/>
-          </a:fontRef>
-        </p:style>
-        <p:txBody>
           <a:bodyPr rtlCol="0" anchor="ctr"/>
           <a:lstStyle/>
           <a:p>
@@ -16413,8 +16784,8 @@
         </p:nvSpPr>
         <p:spPr>
           <a:xfrm>
-            <a:off x="1276659" y="1284636"/>
-            <a:ext cx="3016963" cy="307777"/>
+            <a:off x="777357" y="953034"/>
+            <a:ext cx="1883203" cy="646331"/>
           </a:xfrm>
           <a:prstGeom prst="rect">
             <a:avLst/>
@@ -16427,15 +16798,54 @@
           </a:bodyPr>
           <a:lstStyle/>
           <a:p>
-            <a:r>
-              <a:rPr kumimoji="1" lang="en-US" altLang="zh-CN" sz="1400" b="1" dirty="0" smtClean="0">
+            <a:pPr algn="ctr"/>
+            <a:r>
+              <a:rPr kumimoji="1" lang="en-US" altLang="zh-CN" sz="1200" b="1" dirty="0" smtClean="0">
                 <a:solidFill>
                   <a:srgbClr val="FF0000"/>
                 </a:solidFill>
               </a:rPr>
-              <a:t>Sample name   Group Factor</a:t>
-            </a:r>
-            <a:endParaRPr kumimoji="1" lang="zh-CN" altLang="en-US" sz="1400" b="1" dirty="0">
+              <a:t>Sample </a:t>
+            </a:r>
+            <a:r>
+              <a:rPr kumimoji="1" lang="en-US" altLang="zh-CN" sz="1200" b="1" dirty="0" smtClean="0">
+                <a:solidFill>
+                  <a:srgbClr val="FF0000"/>
+                </a:solidFill>
+              </a:rPr>
+              <a:t>name</a:t>
+            </a:r>
+          </a:p>
+          <a:p>
+            <a:pPr algn="ctr"/>
+            <a:r>
+              <a:rPr kumimoji="1" lang="en-US" altLang="zh-CN" sz="1200" b="1" dirty="0">
+                <a:solidFill>
+                  <a:srgbClr val="FF0000"/>
+                </a:solidFill>
+              </a:rPr>
+              <a:t>o</a:t>
+            </a:r>
+            <a:r>
+              <a:rPr kumimoji="1" lang="en-US" altLang="zh-CN" sz="1200" b="1" dirty="0" smtClean="0">
+                <a:solidFill>
+                  <a:srgbClr val="FF0000"/>
+                </a:solidFill>
+              </a:rPr>
+              <a:t>r </a:t>
+            </a:r>
+          </a:p>
+          <a:p>
+            <a:pPr algn="ctr"/>
+            <a:r>
+              <a:rPr kumimoji="1" lang="en-US" altLang="zh-CN" sz="1200" b="1" dirty="0" smtClean="0">
+                <a:solidFill>
+                  <a:srgbClr val="FF0000"/>
+                </a:solidFill>
+              </a:rPr>
+              <a:t> Sample unique ID</a:t>
+            </a:r>
+            <a:endParaRPr kumimoji="1" lang="zh-CN" altLang="en-US" sz="1200" b="1" dirty="0">
               <a:solidFill>
                 <a:srgbClr val="FF0000"/>
               </a:solidFill>
@@ -16635,8 +17045,8 @@
         </p:nvSpPr>
         <p:spPr>
           <a:xfrm>
-            <a:off x="7952502" y="3458909"/>
-            <a:ext cx="1370792" cy="307777"/>
+            <a:off x="7875197" y="2778807"/>
+            <a:ext cx="1370792" cy="1200329"/>
           </a:xfrm>
           <a:prstGeom prst="rect">
             <a:avLst/>
@@ -16649,49 +17059,142 @@
           </a:bodyPr>
           <a:lstStyle/>
           <a:p>
-            <a:r>
-              <a:rPr kumimoji="1" lang="en-US" altLang="zh-CN" sz="1400" b="1" dirty="0" smtClean="0">
+            <a:pPr algn="ctr"/>
+            <a:r>
+              <a:rPr kumimoji="1" lang="en-US" altLang="zh-CN" sz="1200" b="1" dirty="0" smtClean="0">
                 <a:solidFill>
                   <a:srgbClr val="FF0000"/>
                 </a:solidFill>
               </a:rPr>
               <a:t>Concentration</a:t>
+            </a:r>
+          </a:p>
+          <a:p>
+            <a:pPr algn="ctr"/>
+            <a:r>
+              <a:rPr kumimoji="1" lang="en-US" altLang="zh-CN" sz="1200" b="1" dirty="0" smtClean="0">
+                <a:solidFill>
+                  <a:srgbClr val="FF0000"/>
+                </a:solidFill>
+              </a:rPr>
+              <a:t>or</a:t>
+            </a:r>
+          </a:p>
+          <a:p>
+            <a:pPr algn="ctr"/>
+            <a:r>
+              <a:rPr kumimoji="1" lang="en-US" altLang="zh-CN" sz="1200" b="1" dirty="0" smtClean="0">
+                <a:solidFill>
+                  <a:srgbClr val="FF0000"/>
+                </a:solidFill>
+              </a:rPr>
+              <a:t>Intensity</a:t>
+            </a:r>
+          </a:p>
+          <a:p>
+            <a:pPr algn="ctr"/>
+            <a:r>
+              <a:rPr kumimoji="1" lang="en-US" altLang="zh-CN" sz="1200" b="1" dirty="0">
+                <a:solidFill>
+                  <a:srgbClr val="FF0000"/>
+                </a:solidFill>
+              </a:rPr>
+              <a:t>o</a:t>
+            </a:r>
+            <a:r>
+              <a:rPr kumimoji="1" lang="en-US" altLang="zh-CN" sz="1200" b="1" dirty="0" smtClean="0">
+                <a:solidFill>
+                  <a:srgbClr val="FF0000"/>
+                </a:solidFill>
+              </a:rPr>
+              <a:t>r</a:t>
+            </a:r>
+          </a:p>
+          <a:p>
+            <a:pPr algn="ctr"/>
+            <a:r>
+              <a:rPr kumimoji="1" lang="en-US" altLang="zh-CN" sz="1200" b="1" dirty="0" smtClean="0">
+                <a:solidFill>
+                  <a:srgbClr val="FF0000"/>
+                </a:solidFill>
+              </a:rPr>
+              <a:t>Ratio</a:t>
+            </a:r>
+          </a:p>
+          <a:p>
+            <a:pPr algn="ctr"/>
+            <a:endParaRPr kumimoji="1" lang="zh-CN" altLang="en-US" sz="1200" b="1" dirty="0">
+              <a:solidFill>
+                <a:srgbClr val="FF0000"/>
+              </a:solidFill>
+            </a:endParaRPr>
+          </a:p>
+        </p:txBody>
+      </p:sp>
+      <p:sp>
+        <p:nvSpPr>
+          <p:cNvPr id="26" name="文本框 25"/>
+          <p:cNvSpPr txBox="1"/>
+          <p:nvPr/>
+        </p:nvSpPr>
+        <p:spPr>
+          <a:xfrm>
+            <a:off x="4189056" y="1400404"/>
+            <a:ext cx="2328266" cy="369332"/>
+          </a:xfrm>
+          <a:prstGeom prst="rect">
+            <a:avLst/>
+          </a:prstGeom>
+          <a:noFill/>
+        </p:spPr>
+        <p:txBody>
+          <a:bodyPr wrap="none" rtlCol="0">
+            <a:spAutoFit/>
+          </a:bodyPr>
+          <a:lstStyle/>
+          <a:p>
+            <a:r>
+              <a:rPr kumimoji="1" lang="en-US" altLang="zh-CN" dirty="0" smtClean="0"/>
+              <a:t>Saved as .csv --Stat File</a:t>
+            </a:r>
+            <a:endParaRPr kumimoji="1" lang="zh-CN" altLang="en-US" dirty="0"/>
+          </a:p>
+        </p:txBody>
+      </p:sp>
+      <p:sp>
+        <p:nvSpPr>
+          <p:cNvPr id="2" name="矩形 1"/>
+          <p:cNvSpPr/>
+          <p:nvPr/>
+        </p:nvSpPr>
+        <p:spPr>
+          <a:xfrm>
+            <a:off x="2384001" y="1288608"/>
+            <a:ext cx="1150636" cy="307777"/>
+          </a:xfrm>
+          <a:prstGeom prst="rect">
+            <a:avLst/>
+          </a:prstGeom>
+        </p:spPr>
+        <p:txBody>
+          <a:bodyPr wrap="none">
+            <a:spAutoFit/>
+          </a:bodyPr>
+          <a:lstStyle/>
+          <a:p>
+            <a:r>
+              <a:rPr kumimoji="1" lang="en-US" altLang="zh-CN" sz="1400" b="1" dirty="0">
+                <a:solidFill>
+                  <a:srgbClr val="FF0000"/>
+                </a:solidFill>
+              </a:rPr>
+              <a:t>Group Factor</a:t>
             </a:r>
             <a:endParaRPr kumimoji="1" lang="zh-CN" altLang="en-US" sz="1400" b="1" dirty="0">
               <a:solidFill>
                 <a:srgbClr val="FF0000"/>
               </a:solidFill>
             </a:endParaRPr>
-          </a:p>
-        </p:txBody>
-      </p:sp>
-      <p:sp>
-        <p:nvSpPr>
-          <p:cNvPr id="26" name="文本框 25"/>
-          <p:cNvSpPr txBox="1"/>
-          <p:nvPr/>
-        </p:nvSpPr>
-        <p:spPr>
-          <a:xfrm>
-            <a:off x="4189056" y="1400404"/>
-            <a:ext cx="2328266" cy="369332"/>
-          </a:xfrm>
-          <a:prstGeom prst="rect">
-            <a:avLst/>
-          </a:prstGeom>
-          <a:noFill/>
-        </p:spPr>
-        <p:txBody>
-          <a:bodyPr wrap="none" rtlCol="0">
-            <a:spAutoFit/>
-          </a:bodyPr>
-          <a:lstStyle/>
-          <a:p>
-            <a:r>
-              <a:rPr kumimoji="1" lang="en-US" altLang="zh-CN" dirty="0" smtClean="0"/>
-              <a:t>Saved as .csv --Stat File</a:t>
-            </a:r>
-            <a:endParaRPr kumimoji="1" lang="zh-CN" altLang="en-US" dirty="0"/>
           </a:p>
         </p:txBody>
       </p:sp>
